--- a/assets/tactile_image_files/0033-stress_and_strain_part_1/0033-stress_and_strain_part_1.pptx
+++ b/assets/tactile_image_files/0033-stress_and_strain_part_1/0033-stress_and_strain_part_1.pptx
@@ -13,7 +13,7 @@
     <p:sldId id="272" r:id="rId4"/>
   </p:sldIdLst>
   <p:sldSz cx="9144000" cy="6858000" type="screen4x3"/>
-  <p:notesSz cx="6858000" cy="9144000"/>
+  <p:notesSz cx="7102475" cy="10231438"/>
   <p:defaultTextStyle>
     <a:defPPr>
       <a:defRPr lang="en-US"/>
@@ -152,17 +152,17 @@
         <p:spPr>
           <a:xfrm>
             <a:off x="0" y="0"/>
-            <a:ext cx="2971800" cy="458788"/>
+            <a:ext cx="3077739" cy="513349"/>
           </a:xfrm>
           <a:prstGeom prst="rect">
             <a:avLst/>
           </a:prstGeom>
         </p:spPr>
         <p:txBody>
-          <a:bodyPr vert="horz" lIns="91440" tIns="45720" rIns="91440" bIns="45720" rtlCol="0"/>
+          <a:bodyPr vert="horz" lIns="100630" tIns="50315" rIns="100630" bIns="50315" rtlCol="0"/>
           <a:lstStyle>
             <a:lvl1pPr algn="l">
-              <a:defRPr sz="1200"/>
+              <a:defRPr sz="1300"/>
             </a:lvl1pPr>
           </a:lstStyle>
           <a:p>
@@ -182,23 +182,23 @@
         </p:nvSpPr>
         <p:spPr>
           <a:xfrm>
-            <a:off x="3884613" y="0"/>
-            <a:ext cx="2971800" cy="458788"/>
+            <a:off x="4023092" y="0"/>
+            <a:ext cx="3077739" cy="513349"/>
           </a:xfrm>
           <a:prstGeom prst="rect">
             <a:avLst/>
           </a:prstGeom>
         </p:spPr>
         <p:txBody>
-          <a:bodyPr vert="horz" lIns="91440" tIns="45720" rIns="91440" bIns="45720" rtlCol="0"/>
+          <a:bodyPr vert="horz" lIns="100630" tIns="50315" rIns="100630" bIns="50315" rtlCol="0"/>
           <a:lstStyle>
             <a:lvl1pPr algn="r">
-              <a:defRPr sz="1200"/>
+              <a:defRPr sz="1300"/>
             </a:lvl1pPr>
           </a:lstStyle>
           <a:p>
             <a:fld id="{DC880F74-5F87-E94E-8AEF-72C270124CC0}" type="datetimeFigureOut">
-              <a:t>7/24/20</a:t>
+              <a:t>7/9/21</a:t>
             </a:fld>
             <a:endParaRPr lang="en-US"/>
           </a:p>
@@ -216,8 +216,8 @@
         </p:nvSpPr>
         <p:spPr>
           <a:xfrm>
-            <a:off x="1371600" y="1143000"/>
-            <a:ext cx="4114800" cy="3086100"/>
+            <a:off x="1249363" y="1277938"/>
+            <a:ext cx="4603750" cy="3452812"/>
           </a:xfrm>
           <a:prstGeom prst="rect">
             <a:avLst/>
@@ -230,7 +230,7 @@
           </a:ln>
         </p:spPr>
         <p:txBody>
-          <a:bodyPr vert="horz" lIns="91440" tIns="45720" rIns="91440" bIns="45720" rtlCol="0" anchor="ctr"/>
+          <a:bodyPr vert="horz" lIns="100630" tIns="50315" rIns="100630" bIns="50315" rtlCol="0" anchor="ctr"/>
           <a:lstStyle/>
           <a:p>
             <a:endParaRPr lang="en-US"/>
@@ -249,15 +249,15 @@
         </p:nvSpPr>
         <p:spPr>
           <a:xfrm>
-            <a:off x="685800" y="4400550"/>
-            <a:ext cx="5486400" cy="3600450"/>
+            <a:off x="710248" y="4923880"/>
+            <a:ext cx="5681980" cy="4028629"/>
           </a:xfrm>
           <a:prstGeom prst="rect">
             <a:avLst/>
           </a:prstGeom>
         </p:spPr>
         <p:txBody>
-          <a:bodyPr vert="horz" lIns="91440" tIns="45720" rIns="91440" bIns="45720" rtlCol="0"/>
+          <a:bodyPr vert="horz" lIns="100630" tIns="50315" rIns="100630" bIns="50315" rtlCol="0"/>
           <a:lstStyle/>
           <a:p>
             <a:pPr lvl="0"/>
@@ -308,18 +308,18 @@
         </p:nvSpPr>
         <p:spPr>
           <a:xfrm>
-            <a:off x="0" y="8685213"/>
-            <a:ext cx="2971800" cy="458787"/>
+            <a:off x="0" y="9718092"/>
+            <a:ext cx="3077739" cy="513348"/>
           </a:xfrm>
           <a:prstGeom prst="rect">
             <a:avLst/>
           </a:prstGeom>
         </p:spPr>
         <p:txBody>
-          <a:bodyPr vert="horz" lIns="91440" tIns="45720" rIns="91440" bIns="45720" rtlCol="0" anchor="b"/>
+          <a:bodyPr vert="horz" lIns="100630" tIns="50315" rIns="100630" bIns="50315" rtlCol="0" anchor="b"/>
           <a:lstStyle>
             <a:lvl1pPr algn="l">
-              <a:defRPr sz="1200"/>
+              <a:defRPr sz="1300"/>
             </a:lvl1pPr>
           </a:lstStyle>
           <a:p>
@@ -339,18 +339,18 @@
         </p:nvSpPr>
         <p:spPr>
           <a:xfrm>
-            <a:off x="3884613" y="8685213"/>
-            <a:ext cx="2971800" cy="458787"/>
+            <a:off x="4023092" y="9718092"/>
+            <a:ext cx="3077739" cy="513348"/>
           </a:xfrm>
           <a:prstGeom prst="rect">
             <a:avLst/>
           </a:prstGeom>
         </p:spPr>
         <p:txBody>
-          <a:bodyPr vert="horz" lIns="91440" tIns="45720" rIns="91440" bIns="45720" rtlCol="0" anchor="b"/>
+          <a:bodyPr vert="horz" lIns="100630" tIns="50315" rIns="100630" bIns="50315" rtlCol="0" anchor="b"/>
           <a:lstStyle>
             <a:lvl1pPr algn="r">
-              <a:defRPr sz="1200"/>
+              <a:defRPr sz="1300"/>
             </a:lvl1pPr>
           </a:lstStyle>
           <a:p>
@@ -603,7 +603,7 @@
           <a:p>
             <a:fld id="{E796F801-3BB8-A247-923B-F07F1B58D38A}" type="datetimeFigureOut">
               <a:rPr lang="en-US" smtClean="0"/>
-              <a:t>7/24/20</a:t>
+              <a:t>7/9/21</a:t>
             </a:fld>
             <a:endParaRPr lang="en-US"/>
           </a:p>
@@ -783,7 +783,7 @@
           <a:p>
             <a:fld id="{E796F801-3BB8-A247-923B-F07F1B58D38A}" type="datetimeFigureOut">
               <a:rPr lang="en-US" smtClean="0"/>
-              <a:t>7/24/20</a:t>
+              <a:t>7/9/21</a:t>
             </a:fld>
             <a:endParaRPr lang="en-US"/>
           </a:p>
@@ -953,7 +953,7 @@
           <a:p>
             <a:fld id="{E796F801-3BB8-A247-923B-F07F1B58D38A}" type="datetimeFigureOut">
               <a:rPr lang="en-US" smtClean="0"/>
-              <a:t>7/24/20</a:t>
+              <a:t>7/9/21</a:t>
             </a:fld>
             <a:endParaRPr lang="en-US"/>
           </a:p>
@@ -1197,7 +1197,7 @@
           <a:p>
             <a:fld id="{E796F801-3BB8-A247-923B-F07F1B58D38A}" type="datetimeFigureOut">
               <a:rPr lang="en-US" smtClean="0"/>
-              <a:t>7/24/20</a:t>
+              <a:t>7/9/21</a:t>
             </a:fld>
             <a:endParaRPr lang="en-US"/>
           </a:p>
@@ -1429,7 +1429,7 @@
           <a:p>
             <a:fld id="{E796F801-3BB8-A247-923B-F07F1B58D38A}" type="datetimeFigureOut">
               <a:rPr lang="en-US" smtClean="0"/>
-              <a:t>7/24/20</a:t>
+              <a:t>7/9/21</a:t>
             </a:fld>
             <a:endParaRPr lang="en-US"/>
           </a:p>
@@ -1796,7 +1796,7 @@
           <a:p>
             <a:fld id="{E796F801-3BB8-A247-923B-F07F1B58D38A}" type="datetimeFigureOut">
               <a:rPr lang="en-US" smtClean="0"/>
-              <a:t>7/24/20</a:t>
+              <a:t>7/9/21</a:t>
             </a:fld>
             <a:endParaRPr lang="en-US"/>
           </a:p>
@@ -1914,7 +1914,7 @@
           <a:p>
             <a:fld id="{E796F801-3BB8-A247-923B-F07F1B58D38A}" type="datetimeFigureOut">
               <a:rPr lang="en-US" smtClean="0"/>
-              <a:t>7/24/20</a:t>
+              <a:t>7/9/21</a:t>
             </a:fld>
             <a:endParaRPr lang="en-US"/>
           </a:p>
@@ -2009,7 +2009,7 @@
           <a:p>
             <a:fld id="{E796F801-3BB8-A247-923B-F07F1B58D38A}" type="datetimeFigureOut">
               <a:rPr lang="en-US" smtClean="0"/>
-              <a:t>7/24/20</a:t>
+              <a:t>7/9/21</a:t>
             </a:fld>
             <a:endParaRPr lang="en-US"/>
           </a:p>
@@ -2286,7 +2286,7 @@
           <a:p>
             <a:fld id="{E796F801-3BB8-A247-923B-F07F1B58D38A}" type="datetimeFigureOut">
               <a:rPr lang="en-US" smtClean="0"/>
-              <a:t>7/24/20</a:t>
+              <a:t>7/9/21</a:t>
             </a:fld>
             <a:endParaRPr lang="en-US"/>
           </a:p>
@@ -2543,7 +2543,7 @@
           <a:p>
             <a:fld id="{E796F801-3BB8-A247-923B-F07F1B58D38A}" type="datetimeFigureOut">
               <a:rPr lang="en-US" smtClean="0"/>
-              <a:t>7/24/20</a:t>
+              <a:t>7/9/21</a:t>
             </a:fld>
             <a:endParaRPr lang="en-US"/>
           </a:p>
@@ -2756,7 +2756,7 @@
           <a:p>
             <a:fld id="{E796F801-3BB8-A247-923B-F07F1B58D38A}" type="datetimeFigureOut">
               <a:rPr lang="en-US" smtClean="0"/>
-              <a:t>7/24/20</a:t>
+              <a:t>7/9/21</a:t>
             </a:fld>
             <a:endParaRPr lang="en-US"/>
           </a:p>
@@ -3308,7 +3308,7 @@
           <a:p>
             <a:pPr algn="ctr"/>
             <a:r>
-              <a:rPr lang="en-US" sz="1400">
+              <a:rPr lang="en-US" sz="1400" dirty="0">
                 <a:latin typeface="Arial" panose="020B0604020202020204" pitchFamily="34" charset="0"/>
                 <a:cs typeface="Arial" panose="020B0604020202020204" pitchFamily="34" charset="0"/>
               </a:rPr>
@@ -3318,7 +3318,7 @@
           <a:p>
             <a:pPr algn="ctr"/>
             <a:r>
-              <a:rPr lang="en-US" sz="1400">
+              <a:rPr lang="en-US" sz="1400" dirty="0">
                 <a:latin typeface="Arial" panose="020B0604020202020204" pitchFamily="34" charset="0"/>
                 <a:cs typeface="Arial" panose="020B0604020202020204" pitchFamily="34" charset="0"/>
               </a:rPr>
@@ -3385,11 +3385,18 @@
           <a:prstGeom prst="rect">
             <a:avLst/>
           </a:prstGeom>
-          <a:solidFill>
-            <a:schemeClr val="tx1"/>
-          </a:solidFill>
+          <a:pattFill prst="wdUpDiag">
+            <a:fgClr>
+              <a:schemeClr val="tx1"/>
+            </a:fgClr>
+            <a:bgClr>
+              <a:schemeClr val="bg1"/>
+            </a:bgClr>
+          </a:pattFill>
           <a:ln>
-            <a:noFill/>
+            <a:solidFill>
+              <a:schemeClr val="tx1"/>
+            </a:solidFill>
           </a:ln>
         </p:spPr>
         <p:style>
@@ -3440,11 +3447,18 @@
           <a:prstGeom prst="rect">
             <a:avLst/>
           </a:prstGeom>
-          <a:solidFill>
-            <a:schemeClr val="tx1"/>
-          </a:solidFill>
+          <a:pattFill prst="wdUpDiag">
+            <a:fgClr>
+              <a:schemeClr val="tx1"/>
+            </a:fgClr>
+            <a:bgClr>
+              <a:schemeClr val="bg1"/>
+            </a:bgClr>
+          </a:pattFill>
           <a:ln>
-            <a:noFill/>
+            <a:solidFill>
+              <a:schemeClr val="tx1"/>
+            </a:solidFill>
           </a:ln>
         </p:spPr>
         <p:style>
@@ -3495,11 +3509,18 @@
           <a:prstGeom prst="rect">
             <a:avLst/>
           </a:prstGeom>
-          <a:solidFill>
-            <a:schemeClr val="tx1"/>
-          </a:solidFill>
+          <a:pattFill prst="wdUpDiag">
+            <a:fgClr>
+              <a:schemeClr val="tx1"/>
+            </a:fgClr>
+            <a:bgClr>
+              <a:schemeClr val="bg1"/>
+            </a:bgClr>
+          </a:pattFill>
           <a:ln>
-            <a:noFill/>
+            <a:solidFill>
+              <a:schemeClr val="tx1"/>
+            </a:solidFill>
           </a:ln>
         </p:spPr>
         <p:style>
@@ -3588,11 +3609,18 @@
           <a:prstGeom prst="rect">
             <a:avLst/>
           </a:prstGeom>
-          <a:solidFill>
-            <a:schemeClr val="tx1"/>
-          </a:solidFill>
+          <a:pattFill prst="wdUpDiag">
+            <a:fgClr>
+              <a:schemeClr val="tx1"/>
+            </a:fgClr>
+            <a:bgClr>
+              <a:schemeClr val="bg1"/>
+            </a:bgClr>
+          </a:pattFill>
           <a:ln>
-            <a:noFill/>
+            <a:solidFill>
+              <a:schemeClr val="tx1"/>
+            </a:solidFill>
           </a:ln>
         </p:spPr>
         <p:style>
@@ -4382,7 +4410,7 @@
           <a:p>
             <a:pPr algn="ctr"/>
             <a:r>
-              <a:rPr lang="en-US" sz="2400">
+              <a:rPr lang="en-US" sz="2400" dirty="0">
                 <a:latin typeface="Swell Braille" pitchFamily="49"/>
                 <a:ea typeface="Braille Normal" charset="0"/>
                 <a:cs typeface="Braille Normal" charset="0"/>
@@ -4412,11 +4440,18 @@
           <a:prstGeom prst="rect">
             <a:avLst/>
           </a:prstGeom>
-          <a:solidFill>
-            <a:schemeClr val="tx1"/>
-          </a:solidFill>
+          <a:pattFill prst="wdUpDiag">
+            <a:fgClr>
+              <a:schemeClr val="tx1"/>
+            </a:fgClr>
+            <a:bgClr>
+              <a:schemeClr val="bg1"/>
+            </a:bgClr>
+          </a:pattFill>
           <a:ln>
-            <a:noFill/>
+            <a:solidFill>
+              <a:schemeClr val="tx1"/>
+            </a:solidFill>
           </a:ln>
         </p:spPr>
         <p:style>
@@ -4464,11 +4499,18 @@
           <a:prstGeom prst="rect">
             <a:avLst/>
           </a:prstGeom>
-          <a:solidFill>
-            <a:schemeClr val="tx1"/>
-          </a:solidFill>
+          <a:pattFill prst="wdUpDiag">
+            <a:fgClr>
+              <a:schemeClr val="tx1"/>
+            </a:fgClr>
+            <a:bgClr>
+              <a:schemeClr val="bg1"/>
+            </a:bgClr>
+          </a:pattFill>
           <a:ln>
-            <a:noFill/>
+            <a:solidFill>
+              <a:schemeClr val="tx1"/>
+            </a:solidFill>
           </a:ln>
         </p:spPr>
         <p:style>
@@ -4516,11 +4558,18 @@
           <a:prstGeom prst="rect">
             <a:avLst/>
           </a:prstGeom>
-          <a:solidFill>
-            <a:schemeClr val="tx1"/>
-          </a:solidFill>
+          <a:pattFill prst="wdUpDiag">
+            <a:fgClr>
+              <a:schemeClr val="tx1"/>
+            </a:fgClr>
+            <a:bgClr>
+              <a:schemeClr val="bg1"/>
+            </a:bgClr>
+          </a:pattFill>
           <a:ln>
-            <a:noFill/>
+            <a:solidFill>
+              <a:schemeClr val="tx1"/>
+            </a:solidFill>
           </a:ln>
         </p:spPr>
         <p:style>
@@ -4576,9 +4625,8 @@
           </a:bodyPr>
           <a:lstStyle/>
           <a:p>
-            <a:pPr algn="ctr"/>
-            <a:r>
-              <a:rPr lang="en-US" sz="2400">
+            <a:r>
+              <a:rPr lang="en-US" sz="2400" dirty="0">
                 <a:latin typeface="Swell Braille" pitchFamily="49"/>
               </a:rPr>
               <a:t>⠕⠗⠊⠛⠔⠁⠇⠀⠩⠁⠏⠑⠀⠾</a:t>
@@ -4587,16 +4635,15 @@
           <a:p>
             <a:pPr algn="ctr"/>
             <a:r>
-              <a:rPr lang="en-US" sz="2400">
+              <a:rPr lang="en-US" sz="2400" dirty="0">
                 <a:latin typeface="Swell Braille" pitchFamily="49"/>
               </a:rPr>
               <a:t>⠍⠁⠭⠊⠍⠥⠍⠀⠏⠗⠔⠉⠊⠏⠇⠑</a:t>
             </a:r>
           </a:p>
           <a:p>
-            <a:pPr algn="ctr"/>
-            <a:r>
-              <a:rPr lang="en-US" sz="2400">
+            <a:r>
+              <a:rPr lang="en-US" sz="2400" dirty="0">
                 <a:latin typeface="Swell Braille" pitchFamily="49"/>
               </a:rPr>
               <a:t>⠌⠗⠑⠎⠎⠑⠎</a:t>
@@ -4669,11 +4716,18 @@
           <a:prstGeom prst="rect">
             <a:avLst/>
           </a:prstGeom>
-          <a:solidFill>
-            <a:schemeClr val="tx1"/>
-          </a:solidFill>
+          <a:pattFill prst="wdUpDiag">
+            <a:fgClr>
+              <a:schemeClr val="tx1"/>
+            </a:fgClr>
+            <a:bgClr>
+              <a:schemeClr val="bg1"/>
+            </a:bgClr>
+          </a:pattFill>
           <a:ln>
-            <a:noFill/>
+            <a:solidFill>
+              <a:schemeClr val="tx1"/>
+            </a:solidFill>
           </a:ln>
         </p:spPr>
         <p:style>
@@ -4715,8 +4769,8 @@
         </p:nvSpPr>
         <p:spPr>
           <a:xfrm>
-            <a:off x="6285525" y="3774559"/>
-            <a:ext cx="2858475" cy="830997"/>
+            <a:off x="6273539" y="3689462"/>
+            <a:ext cx="2870462" cy="1200329"/>
           </a:xfrm>
           <a:prstGeom prst="rect">
             <a:avLst/>
@@ -4724,25 +4778,28 @@
           <a:noFill/>
         </p:spPr>
         <p:txBody>
-          <a:bodyPr wrap="none" rtlCol="0">
+          <a:bodyPr wrap="square" rtlCol="0">
             <a:spAutoFit/>
           </a:bodyPr>
           <a:lstStyle/>
           <a:p>
             <a:r>
-              <a:rPr lang="en-US" sz="2400">
-                <a:latin typeface="Swell Braille" pitchFamily="49"/>
+              <a:rPr lang="pt-BR" sz="2400" dirty="0">
+                <a:latin typeface="Swell Braille" panose="01010609060101010103" pitchFamily="49" charset="0"/>
               </a:rPr>
-              <a:t>⠝⠕⠀⠌⠗⠁⠔⠂⠀⠚</a:t>
-            </a:r>
-          </a:p>
-          <a:p>
-            <a:r>
-              <a:rPr lang="en-US" sz="2400">
-                <a:latin typeface="Swell Braille" pitchFamily="49"/>
+              <a:t>"&lt;no /ra91 j </a:t>
+            </a:r>
+          </a:p>
+          <a:p>
+            <a:r>
+              <a:rPr lang="pt-BR" sz="2400" dirty="0">
+                <a:latin typeface="Swell Braille" panose="01010609060101010103" pitchFamily="49" charset="0"/>
               </a:rPr>
-              <a:t>⠧⠕⠇⠥⠍⠑⠀⠡⠁⠝⠛⠑</a:t>
-            </a:r>
+              <a:t>Volume *ange"&gt;</a:t>
+            </a:r>
+            <a:endParaRPr lang="en-US" sz="2400" dirty="0">
+              <a:latin typeface="Swell Braille" panose="01010609060101010103" pitchFamily="49" charset="0"/>
+            </a:endParaRPr>
           </a:p>
         </p:txBody>
       </p:sp>
@@ -4775,7 +4832,7 @@
           <a:lstStyle/>
           <a:p>
             <a:r>
-              <a:rPr lang="en-US" sz="2400">
+              <a:rPr lang="en-US" sz="2400" dirty="0">
                 <a:latin typeface="Swell Braille" pitchFamily="49"/>
               </a:rPr>
               <a:t>⠞⠢⠨⠝</a:t>
@@ -4812,7 +4869,7 @@
           <a:lstStyle/>
           <a:p>
             <a:r>
-              <a:rPr lang="en-US" sz="2400">
+              <a:rPr lang="en-US" sz="2400" dirty="0">
                 <a:latin typeface="Swell Braille" pitchFamily="49"/>
               </a:rPr>
               <a:t>⠞⠽⠏⠑⠀⠷⠌⠗⠑⠎⠎</a:t>
@@ -4849,7 +4906,7 @@
           <a:lstStyle/>
           <a:p>
             <a:r>
-              <a:rPr lang="en-US" sz="2400">
+              <a:rPr lang="en-US" sz="2400" dirty="0">
                 <a:latin typeface="Swell Braille" pitchFamily="49"/>
               </a:rPr>
               <a:t>⠉⠕⠝⠋⠔⠬⠀</a:t>
@@ -4857,7 +4914,7 @@
           </a:p>
           <a:p>
             <a:r>
-              <a:rPr lang="en-US" sz="2400">
+              <a:rPr lang="en-US" sz="2400" dirty="0">
                 <a:latin typeface="Swell Braille" pitchFamily="49"/>
               </a:rPr>
               <a:t>⠌⠗⠑⠎⠎</a:t>
@@ -5010,7 +5067,7 @@
         </p:nvCxnSpPr>
         <p:spPr>
           <a:xfrm>
-            <a:off x="216196" y="4703136"/>
+            <a:off x="292396" y="4991607"/>
             <a:ext cx="8750595" cy="0"/>
           </a:xfrm>
           <a:prstGeom prst="line">
@@ -5494,11 +5551,18 @@
           <a:prstGeom prst="rect">
             <a:avLst/>
           </a:prstGeom>
-          <a:solidFill>
-            <a:schemeClr val="tx1"/>
-          </a:solidFill>
+          <a:pattFill prst="wdUpDiag">
+            <a:fgClr>
+              <a:schemeClr val="tx1"/>
+            </a:fgClr>
+            <a:bgClr>
+              <a:schemeClr val="bg1"/>
+            </a:bgClr>
+          </a:pattFill>
           <a:ln>
-            <a:noFill/>
+            <a:solidFill>
+              <a:schemeClr val="tx1"/>
+            </a:solidFill>
           </a:ln>
         </p:spPr>
         <p:style>
@@ -5546,11 +5610,18 @@
           <a:prstGeom prst="rect">
             <a:avLst/>
           </a:prstGeom>
-          <a:solidFill>
-            <a:schemeClr val="tx1"/>
-          </a:solidFill>
+          <a:pattFill prst="wdUpDiag">
+            <a:fgClr>
+              <a:schemeClr val="tx1"/>
+            </a:fgClr>
+            <a:bgClr>
+              <a:schemeClr val="bg1"/>
+            </a:bgClr>
+          </a:pattFill>
           <a:ln>
-            <a:noFill/>
+            <a:solidFill>
+              <a:schemeClr val="tx1"/>
+            </a:solidFill>
           </a:ln>
         </p:spPr>
         <p:style>
@@ -5598,11 +5669,18 @@
           <a:prstGeom prst="rect">
             <a:avLst/>
           </a:prstGeom>
-          <a:solidFill>
-            <a:schemeClr val="tx1"/>
-          </a:solidFill>
+          <a:pattFill prst="wdUpDiag">
+            <a:fgClr>
+              <a:schemeClr val="tx1"/>
+            </a:fgClr>
+            <a:bgClr>
+              <a:schemeClr val="bg1"/>
+            </a:bgClr>
+          </a:pattFill>
           <a:ln>
-            <a:noFill/>
+            <a:solidFill>
+              <a:schemeClr val="tx1"/>
+            </a:solidFill>
           </a:ln>
         </p:spPr>
         <p:style>
@@ -5650,11 +5728,18 @@
           <a:prstGeom prst="rect">
             <a:avLst/>
           </a:prstGeom>
-          <a:solidFill>
-            <a:schemeClr val="tx1"/>
-          </a:solidFill>
+          <a:pattFill prst="wdUpDiag">
+            <a:fgClr>
+              <a:schemeClr val="tx1"/>
+            </a:fgClr>
+            <a:bgClr>
+              <a:schemeClr val="bg1"/>
+            </a:bgClr>
+          </a:pattFill>
           <a:ln>
-            <a:noFill/>
+            <a:solidFill>
+              <a:schemeClr val="tx1"/>
+            </a:solidFill>
           </a:ln>
         </p:spPr>
         <p:style>
